--- a/docs/Intelligent-MultiDoc-QnA-Platform.pptx
+++ b/docs/Intelligent-MultiDoc-QnA-Platform.pptx
@@ -396,7 +396,7 @@
           <a:p>
             <a:fld id="{AF239A9A-B4B0-4B32-B8CD-2E25E95134C4}" type="datetimeFigureOut">
               <a:rPr lang="en-US" dirty="0"/>
-              <a:t>8/10/2023</a:t>
+              <a:t>11/11/2023</a:t>
             </a:fld>
             <a:endParaRPr lang="en-US" dirty="0"/>
           </a:p>
@@ -804,7 +804,7 @@
           <a:p>
             <a:fld id="{F25518A9-B687-4302-9395-2322403C6656}" type="datetimeFigureOut">
               <a:rPr lang="en-US" dirty="0"/>
-              <a:t>8/10/2023</a:t>
+              <a:t>11/11/2023</a:t>
             </a:fld>
             <a:endParaRPr lang="en-US" dirty="0"/>
           </a:p>
@@ -1135,7 +1135,7 @@
           <a:p>
             <a:fld id="{1A99A684-0CB7-41E9-A4DF-5D1C2CA5BF6F}" type="datetimeFigureOut">
               <a:rPr lang="en-US" dirty="0"/>
-              <a:t>8/10/2023</a:t>
+              <a:t>11/11/2023</a:t>
             </a:fld>
             <a:endParaRPr lang="en-US" dirty="0"/>
           </a:p>
@@ -1535,7 +1535,7 @@
           <a:p>
             <a:fld id="{FEDD7C35-9E19-4518-A4B2-3B09CD8CC756}" type="datetimeFigureOut">
               <a:rPr lang="en-US" dirty="0"/>
-              <a:t>8/10/2023</a:t>
+              <a:t>11/11/2023</a:t>
             </a:fld>
             <a:endParaRPr lang="en-US" dirty="0"/>
           </a:p>
@@ -2098,7 +2098,7 @@
           <a:p>
             <a:fld id="{26196DA8-8897-4DDF-BFB6-5D83863C837A}" type="datetimeFigureOut">
               <a:rPr lang="en-US" dirty="0"/>
-              <a:t>8/10/2023</a:t>
+              <a:t>11/11/2023</a:t>
             </a:fld>
             <a:endParaRPr lang="en-US" dirty="0"/>
           </a:p>
@@ -2774,7 +2774,7 @@
           <a:p>
             <a:fld id="{DCBBA708-C5F0-412D-90E2-1919F0D196AE}" type="datetimeFigureOut">
               <a:rPr lang="en-US" dirty="0"/>
-              <a:t>8/10/2023</a:t>
+              <a:t>11/11/2023</a:t>
             </a:fld>
             <a:endParaRPr lang="en-US" dirty="0"/>
           </a:p>
@@ -3679,7 +3679,7 @@
           <a:p>
             <a:fld id="{A9C8F8FA-EF43-4642-9368-3F4E33039BD9}" type="datetimeFigureOut">
               <a:rPr lang="en-US" dirty="0"/>
-              <a:t>8/10/2023</a:t>
+              <a:t>11/11/2023</a:t>
             </a:fld>
             <a:endParaRPr lang="en-US" dirty="0"/>
           </a:p>
@@ -3987,7 +3987,7 @@
           <a:p>
             <a:fld id="{6B61E721-B01C-4D5D-A3CA-2E5518383F10}" type="datetimeFigureOut">
               <a:rPr lang="en-US" dirty="0"/>
-              <a:t>8/10/2023</a:t>
+              <a:t>11/11/2023</a:t>
             </a:fld>
             <a:endParaRPr lang="en-US" dirty="0"/>
           </a:p>
@@ -4246,7 +4246,7 @@
           <a:p>
             <a:fld id="{6513FEF9-69D0-4F8C-A336-59491FBEDC47}" type="datetimeFigureOut">
               <a:rPr lang="en-US" dirty="0"/>
-              <a:t>8/10/2023</a:t>
+              <a:t>11/11/2023</a:t>
             </a:fld>
             <a:endParaRPr lang="en-US" dirty="0"/>
           </a:p>
@@ -4583,7 +4583,7 @@
           <a:p>
             <a:fld id="{A91E21DC-8981-44E6-BC8C-2BA8F673FFBB}" type="datetimeFigureOut">
               <a:rPr lang="en-US" dirty="0"/>
-              <a:t>8/10/2023</a:t>
+              <a:t>11/11/2023</a:t>
             </a:fld>
             <a:endParaRPr lang="en-US" dirty="0"/>
           </a:p>
@@ -4967,7 +4967,7 @@
           <a:p>
             <a:fld id="{AEB9C5D3-0140-4E75-8D7F-C0623D06DFD7}" type="datetimeFigureOut">
               <a:rPr lang="en-US" dirty="0"/>
-              <a:t>8/10/2023</a:t>
+              <a:t>11/11/2023</a:t>
             </a:fld>
             <a:endParaRPr lang="en-US" dirty="0"/>
           </a:p>
@@ -5338,7 +5338,7 @@
           <a:p>
             <a:fld id="{3A5666F9-5B40-48E0-8DFD-99EF944CDD22}" type="datetimeFigureOut">
               <a:rPr lang="en-US" dirty="0"/>
-              <a:t>8/10/2023</a:t>
+              <a:t>11/11/2023</a:t>
             </a:fld>
             <a:endParaRPr lang="en-US" dirty="0"/>
           </a:p>
@@ -5839,7 +5839,7 @@
           <a:p>
             <a:fld id="{2A698D6B-2C72-4E21-9893-A649C6E2A47D}" type="datetimeFigureOut">
               <a:rPr lang="en-US" dirty="0"/>
-              <a:t>8/10/2023</a:t>
+              <a:t>11/11/2023</a:t>
             </a:fld>
             <a:endParaRPr lang="en-US" dirty="0"/>
           </a:p>
@@ -6091,7 +6091,7 @@
           <a:p>
             <a:fld id="{C86811C9-A66C-49F0-970E-F7B68D9109A0}" type="datetimeFigureOut">
               <a:rPr lang="en-US" dirty="0"/>
-              <a:t>8/10/2023</a:t>
+              <a:t>11/11/2023</a:t>
             </a:fld>
             <a:endParaRPr lang="en-US" dirty="0"/>
           </a:p>
@@ -6249,7 +6249,7 @@
           <a:p>
             <a:fld id="{6C01AE78-96A2-4A23-B183-3B6DB4374FE7}" type="datetimeFigureOut">
               <a:rPr lang="en-US" dirty="0"/>
-              <a:t>8/10/2023</a:t>
+              <a:t>11/11/2023</a:t>
             </a:fld>
             <a:endParaRPr lang="en-US" dirty="0"/>
           </a:p>
@@ -6634,7 +6634,7 @@
           <a:p>
             <a:fld id="{73AE0757-B101-4811-9189-10EB2F458E2D}" type="datetimeFigureOut">
               <a:rPr lang="en-US" dirty="0"/>
-              <a:t>8/10/2023</a:t>
+              <a:t>11/11/2023</a:t>
             </a:fld>
             <a:endParaRPr lang="en-US" dirty="0"/>
           </a:p>
@@ -7037,7 +7037,7 @@
           <a:p>
             <a:fld id="{7EBDC078-589F-40E3-816C-EE21D62B5BBA}" type="datetimeFigureOut">
               <a:rPr lang="en-US" dirty="0"/>
-              <a:t>8/10/2023</a:t>
+              <a:t>11/11/2023</a:t>
             </a:fld>
             <a:endParaRPr lang="en-US" dirty="0"/>
           </a:p>
@@ -7276,7 +7276,7 @@
           <a:p>
             <a:fld id="{C7004436-CA73-4D53-89B4-2A5C7347BF2F}" type="datetimeFigureOut">
               <a:rPr lang="en-US" dirty="0"/>
-              <a:t>8/10/2023</a:t>
+              <a:t>11/11/2023</a:t>
             </a:fld>
             <a:endParaRPr lang="en-US" dirty="0"/>
           </a:p>
@@ -8845,10 +8845,10 @@
       </p:sp>
       <p:pic>
         <p:nvPicPr>
-          <p:cNvPr id="5" name="Content Placeholder 4">
+          <p:cNvPr id="7" name="Content Placeholder 6">
             <a:extLst>
               <a:ext uri="{FF2B5EF4-FFF2-40B4-BE49-F238E27FC236}">
-                <a16:creationId xmlns:a16="http://schemas.microsoft.com/office/drawing/2014/main" id="{BA416906-B8F8-4663-93F4-EAB41558CC17}"/>
+                <a16:creationId xmlns:a16="http://schemas.microsoft.com/office/drawing/2014/main" id="{3C7B05BF-6605-4D6B-B28A-2FFE2B4081E4}"/>
               </a:ext>
             </a:extLst>
           </p:cNvPr>
@@ -8867,8 +8867,8 @@
         </p:blipFill>
         <p:spPr>
           <a:xfrm>
-            <a:off x="1719309" y="2127434"/>
-            <a:ext cx="8753382" cy="4592961"/>
+            <a:off x="0" y="0"/>
+            <a:ext cx="12200307" cy="6858000"/>
           </a:xfrm>
         </p:spPr>
       </p:pic>
